--- a/01_Organisation/02_Meilensteine/m1c/Organigram.pptx
+++ b/01_Organisation/02_Meilensteine/m1c/Organigram.pptx
@@ -107,6 +107,11 @@
       </a:defRPr>
     </a:lvl9pPr>
   </p:defaultTextStyle>
+  <p:extLst>
+    <p:ext uri="{EFAFB233-063F-42B5-8137-9DF3F51BA10A}">
+      <p15:sldGuideLst xmlns:p15="http://schemas.microsoft.com/office/powerpoint/2012/main"/>
+    </p:ext>
+  </p:extLst>
 </p:presentation>
 </file>
 
@@ -1082,10 +1087,17 @@
         <a:lstStyle/>
         <a:p>
           <a:r>
-            <a:rPr lang="DE-DE"/>
-            <a:t>(Mauro Stoffel)</a:t>
+            <a:rPr lang="DE-DE" dirty="0"/>
+            <a:t>(Mauro Stoffel</a:t>
           </a:r>
-          <a:endParaRPr lang="DE-DE" dirty="0"/>
+          <a:r>
+            <a:rPr lang="de-DE" dirty="0"/>
+            <a:t>**</a:t>
+          </a:r>
+          <a:r>
+            <a:rPr lang="DE-DE" dirty="0"/>
+            <a:t>)</a:t>
+          </a:r>
         </a:p>
       </dgm:t>
     </dgm:pt>
@@ -1125,6 +1137,11 @@
             <a:rPr lang="DE-DE" dirty="0"/>
             <a:t>Mauro Stoffel</a:t>
           </a:r>
+          <a:r>
+            <a:rPr lang="de-DE" dirty="0"/>
+            <a:t>**</a:t>
+          </a:r>
+          <a:endParaRPr lang="DE-DE" dirty="0"/>
         </a:p>
       </dgm:t>
     </dgm:pt>
@@ -2933,6 +2950,11 @@
             <a:rPr lang="DE-DE" sz="2000" kern="1200" dirty="0"/>
             <a:t>Mauro Stoffel</a:t>
           </a:r>
+          <a:r>
+            <a:rPr lang="de-DE" sz="2000" kern="1200" dirty="0"/>
+            <a:t>**</a:t>
+          </a:r>
+          <a:endParaRPr lang="DE-DE" sz="2000" kern="1200" dirty="0"/>
         </a:p>
       </dsp:txBody>
       <dsp:txXfrm>
@@ -3664,10 +3686,17 @@
             <a:buNone/>
           </a:pPr>
           <a:r>
-            <a:rPr lang="DE-DE" sz="2000" kern="1200"/>
-            <a:t>(Mauro Stoffel)</a:t>
+            <a:rPr lang="DE-DE" sz="2000" kern="1200" dirty="0"/>
+            <a:t>(Mauro Stoffel</a:t>
           </a:r>
-          <a:endParaRPr lang="DE-DE" sz="2000" kern="1200" dirty="0"/>
+          <a:r>
+            <a:rPr lang="de-DE" sz="2000" kern="1200" dirty="0"/>
+            <a:t>**</a:t>
+          </a:r>
+          <a:r>
+            <a:rPr lang="DE-DE" sz="2000" kern="1200" dirty="0"/>
+            <a:t>)</a:t>
+          </a:r>
         </a:p>
       </dsp:txBody>
       <dsp:txXfrm>
@@ -6239,7 +6268,7 @@
           <a:p>
             <a:fld id="{557A9886-A3BC-1743-82EF-A2E9CE568BC2}" type="datetimeFigureOut">
               <a:rPr lang="de-DE" smtClean="0"/>
-              <a:t>20.03.18</a:t>
+              <a:t>05.06.18</a:t>
             </a:fld>
             <a:endParaRPr lang="de-DE"/>
           </a:p>
@@ -6737,7 +6766,7 @@
           <a:p>
             <a:fld id="{B39B085F-FC3E-0D46-A7D2-F28249B70513}" type="datetimeFigureOut">
               <a:rPr lang="de-DE" smtClean="0"/>
-              <a:t>20.03.18</a:t>
+              <a:t>05.06.18</a:t>
             </a:fld>
             <a:endParaRPr lang="de-DE"/>
           </a:p>
@@ -6935,7 +6964,7 @@
           <a:p>
             <a:fld id="{B39B085F-FC3E-0D46-A7D2-F28249B70513}" type="datetimeFigureOut">
               <a:rPr lang="de-DE" smtClean="0"/>
-              <a:t>20.03.18</a:t>
+              <a:t>05.06.18</a:t>
             </a:fld>
             <a:endParaRPr lang="de-DE"/>
           </a:p>
@@ -7143,7 +7172,7 @@
           <a:p>
             <a:fld id="{B39B085F-FC3E-0D46-A7D2-F28249B70513}" type="datetimeFigureOut">
               <a:rPr lang="de-DE" smtClean="0"/>
-              <a:t>20.03.18</a:t>
+              <a:t>05.06.18</a:t>
             </a:fld>
             <a:endParaRPr lang="de-DE"/>
           </a:p>
@@ -7341,7 +7370,7 @@
           <a:p>
             <a:fld id="{B39B085F-FC3E-0D46-A7D2-F28249B70513}" type="datetimeFigureOut">
               <a:rPr lang="de-DE" smtClean="0"/>
-              <a:t>20.03.18</a:t>
+              <a:t>05.06.18</a:t>
             </a:fld>
             <a:endParaRPr lang="de-DE"/>
           </a:p>
@@ -7616,7 +7645,7 @@
           <a:p>
             <a:fld id="{B39B085F-FC3E-0D46-A7D2-F28249B70513}" type="datetimeFigureOut">
               <a:rPr lang="de-DE" smtClean="0"/>
-              <a:t>20.03.18</a:t>
+              <a:t>05.06.18</a:t>
             </a:fld>
             <a:endParaRPr lang="de-DE"/>
           </a:p>
@@ -7881,7 +7910,7 @@
           <a:p>
             <a:fld id="{B39B085F-FC3E-0D46-A7D2-F28249B70513}" type="datetimeFigureOut">
               <a:rPr lang="de-DE" smtClean="0"/>
-              <a:t>20.03.18</a:t>
+              <a:t>05.06.18</a:t>
             </a:fld>
             <a:endParaRPr lang="de-DE"/>
           </a:p>
@@ -8293,7 +8322,7 @@
           <a:p>
             <a:fld id="{B39B085F-FC3E-0D46-A7D2-F28249B70513}" type="datetimeFigureOut">
               <a:rPr lang="de-DE" smtClean="0"/>
-              <a:t>20.03.18</a:t>
+              <a:t>05.06.18</a:t>
             </a:fld>
             <a:endParaRPr lang="de-DE"/>
           </a:p>
@@ -8434,7 +8463,7 @@
           <a:p>
             <a:fld id="{B39B085F-FC3E-0D46-A7D2-F28249B70513}" type="datetimeFigureOut">
               <a:rPr lang="de-DE" smtClean="0"/>
-              <a:t>20.03.18</a:t>
+              <a:t>05.06.18</a:t>
             </a:fld>
             <a:endParaRPr lang="de-DE"/>
           </a:p>
@@ -8547,7 +8576,7 @@
           <a:p>
             <a:fld id="{B39B085F-FC3E-0D46-A7D2-F28249B70513}" type="datetimeFigureOut">
               <a:rPr lang="de-DE" smtClean="0"/>
-              <a:t>20.03.18</a:t>
+              <a:t>05.06.18</a:t>
             </a:fld>
             <a:endParaRPr lang="de-DE"/>
           </a:p>
@@ -8858,7 +8887,7 @@
           <a:p>
             <a:fld id="{B39B085F-FC3E-0D46-A7D2-F28249B70513}" type="datetimeFigureOut">
               <a:rPr lang="de-DE" smtClean="0"/>
-              <a:t>20.03.18</a:t>
+              <a:t>05.06.18</a:t>
             </a:fld>
             <a:endParaRPr lang="de-DE"/>
           </a:p>
@@ -9146,7 +9175,7 @@
           <a:p>
             <a:fld id="{B39B085F-FC3E-0D46-A7D2-F28249B70513}" type="datetimeFigureOut">
               <a:rPr lang="de-DE" smtClean="0"/>
-              <a:t>20.03.18</a:t>
+              <a:t>05.06.18</a:t>
             </a:fld>
             <a:endParaRPr lang="de-DE"/>
           </a:p>
@@ -9387,7 +9416,7 @@
           <a:p>
             <a:fld id="{B39B085F-FC3E-0D46-A7D2-F28249B70513}" type="datetimeFigureOut">
               <a:rPr lang="de-DE" smtClean="0"/>
-              <a:t>20.03.18</a:t>
+              <a:t>05.06.18</a:t>
             </a:fld>
             <a:endParaRPr lang="de-DE"/>
           </a:p>
@@ -9811,7 +9840,7 @@
           <p:nvPr>
             <p:extLst>
               <p:ext uri="{D42A27DB-BD31-4B8C-83A1-F6EECF244321}">
-                <p14:modId xmlns:p14="http://schemas.microsoft.com/office/powerpoint/2010/main" val="2266806676"/>
+                <p14:modId xmlns:p14="http://schemas.microsoft.com/office/powerpoint/2010/main" val="3412224291"/>
               </p:ext>
             </p:extLst>
           </p:nvPr>

--- a/01_Organisation/02_Meilensteine/m1c/Organigram.pptx
+++ b/01_Organisation/02_Meilensteine/m1c/Organigram.pptx
@@ -1044,12 +1044,8 @@
         <a:lstStyle/>
         <a:p>
           <a:r>
-            <a:rPr lang="DE-DE" dirty="0" err="1"/>
-            <a:t>Romario</a:t>
-          </a:r>
-          <a:r>
             <a:rPr lang="DE-DE" dirty="0"/>
-            <a:t> Jäger</a:t>
+            <a:t>Romario Jäger</a:t>
           </a:r>
         </a:p>
       </dgm:t>
@@ -1179,13 +1175,8 @@
         <a:p>
           <a:r>
             <a:rPr lang="DE-DE" dirty="0"/>
-            <a:t>Michael </a:t>
+            <a:t>Michael Alig</a:t>
           </a:r>
-          <a:r>
-            <a:rPr lang="DE-DE" dirty="0" err="1"/>
-            <a:t>Alig</a:t>
-          </a:r>
-          <a:endParaRPr lang="DE-DE" dirty="0"/>
         </a:p>
       </dgm:t>
     </dgm:pt>
@@ -3135,13 +3126,8 @@
           </a:pPr>
           <a:r>
             <a:rPr lang="DE-DE" sz="2000" kern="1200" dirty="0"/>
-            <a:t>Michael </a:t>
+            <a:t>Michael Alig</a:t>
           </a:r>
-          <a:r>
-            <a:rPr lang="DE-DE" sz="2000" kern="1200" dirty="0" err="1"/>
-            <a:t>Alig</a:t>
-          </a:r>
-          <a:endParaRPr lang="DE-DE" sz="2000" kern="1200" dirty="0"/>
         </a:p>
       </dsp:txBody>
       <dsp:txXfrm>
@@ -3876,12 +3862,8 @@
             <a:buNone/>
           </a:pPr>
           <a:r>
-            <a:rPr lang="DE-DE" sz="2000" kern="1200" dirty="0" err="1"/>
-            <a:t>Romario</a:t>
-          </a:r>
-          <a:r>
             <a:rPr lang="DE-DE" sz="2000" kern="1200" dirty="0"/>
-            <a:t> Jäger</a:t>
+            <a:t>Romario Jäger</a:t>
           </a:r>
         </a:p>
       </dsp:txBody>
